--- a/70_Poster/PAPoster.pptx
+++ b/70_Poster/PAPoster.pptx
@@ -5375,8 +5375,8 @@
           </a:p>
         </p:txBody>
       </p:sp>
-      <mc:AlternateContent xmlns:mc="http://schemas.openxmlformats.org/markup-compatibility/2006">
-        <mc:Choice xmlns:a14="http://schemas.microsoft.com/office/drawing/2010/main" Requires="a14">
+      <mc:AlternateContent xmlns:mc="http://schemas.openxmlformats.org/markup-compatibility/2006" xmlns:a14="http://schemas.microsoft.com/office/drawing/2010/main">
+        <mc:Choice Requires="a14">
           <p:sp>
             <p:nvSpPr>
               <p:cNvPr id="3079" name="Text Box 84"/>
@@ -5866,7 +5866,7 @@
             </p:txBody>
           </p:sp>
         </mc:Choice>
-        <mc:Fallback>
+        <mc:Fallback xmlns="">
           <p:sp>
             <p:nvSpPr>
               <p:cNvPr id="3079" name="Text Box 84"/>
@@ -6713,8 +6713,8 @@
         </p:nvSpPr>
         <p:spPr bwMode="auto">
           <a:xfrm>
-            <a:off x="15408275" y="20293013"/>
-            <a:ext cx="9723438" cy="369887"/>
+            <a:off x="17444307" y="20403333"/>
+            <a:ext cx="13198720" cy="230832"/>
           </a:xfrm>
           <a:prstGeom prst="rect">
             <a:avLst/>
@@ -6744,7 +6744,7 @@
           </a:extLst>
         </p:spPr>
         <p:txBody>
-          <a:bodyPr>
+          <a:bodyPr wrap="square">
             <a:spAutoFit/>
           </a:bodyPr>
           <a:lstStyle>
@@ -7089,23 +7089,13 @@
                     <a:schemeClr val="tx1"/>
                   </a:buClr>
                 </a:pPr>
-                <a:endParaRPr lang="de-DE" altLang="de-DE" dirty="0"/>
-              </a:p>
-              <a:p>
-                <a:pPr lvl="2" eaLnBrk="1" hangingPunct="1">
-                  <a:lnSpc>
-                    <a:spcPct val="110000"/>
-                  </a:lnSpc>
-                  <a:spcBef>
-                    <a:spcPct val="0"/>
-                  </a:spcBef>
-                  <a:buClr>
-                    <a:schemeClr val="tx1"/>
-                  </a:buClr>
-                </a:pPr>
                 <a:r>
                   <a:rPr lang="de-DE" altLang="de-DE" dirty="0" smtClean="0"/>
-                  <a:t>Festlegung eines Kontrollvolumens</a:t>
+                  <a:t>Festlegung </a:t>
+                </a:r>
+                <a:r>
+                  <a:rPr lang="de-DE" altLang="de-DE" dirty="0" smtClean="0"/>
+                  <a:t>eines Kontrollvolumens</a:t>
                 </a:r>
               </a:p>
               <a:p>
@@ -7331,7 +7321,13 @@
                             <a:rPr lang="de-DE" altLang="de-DE" b="0" i="1" smtClean="0">
                               <a:latin typeface="Cambria Math" panose="02040503050406030204" pitchFamily="18" charset="0"/>
                             </a:rPr>
-                            <m:t>(2)</m:t>
+                            <m:t>(</m:t>
+                          </m:r>
+                          <m:r>
+                            <a:rPr lang="de-DE" altLang="de-DE" b="0" i="1" smtClean="0">
+                              <a:latin typeface="Cambria Math" panose="02040503050406030204" pitchFamily="18" charset="0"/>
+                            </a:rPr>
+                            <m:t>2)</m:t>
                           </m:r>
                         </m:sub>
                         <m:sup/>
@@ -7786,7 +7782,7 @@
         </p:blipFill>
         <p:spPr>
           <a:xfrm>
-            <a:off x="20275193" y="25247018"/>
+            <a:off x="20287809" y="24852941"/>
             <a:ext cx="6940166" cy="4578407"/>
           </a:xfrm>
           <a:prstGeom prst="rect">

--- a/70_Poster/PAPoster.pptx
+++ b/70_Poster/PAPoster.pptx
@@ -886,7 +886,7 @@
           <a:lstStyle/>
           <a:p>
             <a:pPr eaLnBrk="1" hangingPunct="1"/>
-            <a:endParaRPr lang="de-DE" altLang="de-DE" smtClean="0">
+            <a:endParaRPr lang="de-DE" altLang="de-DE" dirty="0" smtClean="0">
               <a:latin typeface="Arial" panose="020B0604020202020204" pitchFamily="34" charset="0"/>
             </a:endParaRPr>
           </a:p>
@@ -6395,7 +6395,7 @@
             <a:endParaRPr lang="de-DE" altLang="de-DE" dirty="0"/>
           </a:p>
           <a:p>
-            <a:pPr marL="439738" lvl="2" indent="-436563" eaLnBrk="1" hangingPunct="1">
+            <a:pPr marL="460375" lvl="2" indent="-457200" eaLnBrk="1" hangingPunct="1">
               <a:lnSpc>
                 <a:spcPct val="110000"/>
               </a:lnSpc>
@@ -6408,7 +6408,32 @@
             </a:pPr>
             <a:r>
               <a:rPr lang="de-DE" altLang="de-DE" dirty="0" smtClean="0"/>
-              <a:t> Wegen hoher Reibungswiderstände keine </a:t>
+              <a:t>Tendenz </a:t>
+            </a:r>
+            <a:r>
+              <a:rPr lang="de-DE" altLang="de-DE" dirty="0"/>
+              <a:t>zu Widerstandsreduktionen im</a:t>
+            </a:r>
+          </a:p>
+          <a:p>
+            <a:pPr marL="917575" lvl="3" indent="-457200" eaLnBrk="1" hangingPunct="1">
+              <a:lnSpc>
+                <a:spcPct val="110000"/>
+              </a:lnSpc>
+              <a:spcBef>
+                <a:spcPct val="0"/>
+              </a:spcBef>
+              <a:buClr>
+                <a:schemeClr val="tx1"/>
+              </a:buClr>
+            </a:pPr>
+            <a:r>
+              <a:rPr lang="de-DE" altLang="de-DE" dirty="0" smtClean="0"/>
+              <a:t>Bereich </a:t>
+            </a:r>
+            <a:r>
+              <a:rPr lang="de-DE" altLang="de-DE" dirty="0"/>
+              <a:t>oberhalb der natürlichen Ablöse-</a:t>
             </a:r>
           </a:p>
           <a:p>
@@ -6426,19 +6451,41 @@
             </a:pPr>
             <a:r>
               <a:rPr lang="de-DE" altLang="de-DE" dirty="0"/>
-              <a:t> </a:t>
+              <a:t>    </a:t>
             </a:r>
             <a:r>
               <a:rPr lang="de-DE" altLang="de-DE" dirty="0" smtClean="0"/>
-              <a:t>    Leistungsgewinne durch </a:t>
-            </a:r>
-            <a:r>
-              <a:rPr lang="de-DE" altLang="de-DE" dirty="0" err="1" smtClean="0"/>
-              <a:t>Aktuations</a:t>
-            </a:r>
+              <a:t>Frequenz </a:t>
+            </a:r>
+            <a:r>
+              <a:rPr lang="de-DE" altLang="de-DE" dirty="0"/>
+              <a:t>für gewisse </a:t>
+            </a:r>
+            <a:r>
+              <a:rPr lang="de-DE" altLang="de-DE" dirty="0" err="1"/>
+              <a:t>Ausblaseparameter</a:t>
+            </a:r>
+            <a:endParaRPr lang="de-DE" altLang="de-DE" dirty="0"/>
+          </a:p>
+          <a:p>
+            <a:pPr marL="439738" lvl="2" indent="-436563" eaLnBrk="1" hangingPunct="1">
+              <a:lnSpc>
+                <a:spcPct val="110000"/>
+              </a:lnSpc>
+              <a:spcBef>
+                <a:spcPct val="0"/>
+              </a:spcBef>
+              <a:buClr>
+                <a:schemeClr val="tx1"/>
+              </a:buClr>
+            </a:pPr>
             <a:r>
               <a:rPr lang="de-DE" altLang="de-DE" dirty="0" smtClean="0"/>
-              <a:t>-</a:t>
+              <a:t>Wegen </a:t>
+            </a:r>
+            <a:r>
+              <a:rPr lang="de-DE" altLang="de-DE" dirty="0" smtClean="0"/>
+              <a:t>hoher Reibungswiderstände keine </a:t>
             </a:r>
           </a:p>
           <a:p>
@@ -6460,46 +6507,23 @@
             </a:r>
             <a:r>
               <a:rPr lang="de-DE" altLang="de-DE" dirty="0" smtClean="0"/>
-              <a:t>    </a:t>
+              <a:t>   </a:t>
+            </a:r>
+            <a:r>
+              <a:rPr lang="de-DE" altLang="de-DE" dirty="0" smtClean="0"/>
+              <a:t>Leistungsgewinne </a:t>
+            </a:r>
+            <a:r>
+              <a:rPr lang="de-DE" altLang="de-DE" dirty="0" smtClean="0"/>
+              <a:t>durch </a:t>
             </a:r>
             <a:r>
               <a:rPr lang="de-DE" altLang="de-DE" dirty="0" err="1" smtClean="0"/>
-              <a:t>mechanismen</a:t>
-            </a:r>
-            <a:endParaRPr lang="de-DE" altLang="de-DE" dirty="0" smtClean="0"/>
-          </a:p>
-          <a:p>
-            <a:pPr marL="460375" lvl="2" indent="-457200" eaLnBrk="1" hangingPunct="1">
-              <a:lnSpc>
-                <a:spcPct val="110000"/>
-              </a:lnSpc>
-              <a:spcBef>
-                <a:spcPct val="0"/>
-              </a:spcBef>
-              <a:buClr>
-                <a:schemeClr val="tx1"/>
-              </a:buClr>
-            </a:pPr>
+              <a:t>Aktuations</a:t>
+            </a:r>
             <a:r>
               <a:rPr lang="de-DE" altLang="de-DE" dirty="0" smtClean="0"/>
-              <a:t>Tendenz zu Widerstandsreduktionen im</a:t>
-            </a:r>
-          </a:p>
-          <a:p>
-            <a:pPr marL="917575" lvl="3" indent="-457200" eaLnBrk="1" hangingPunct="1">
-              <a:lnSpc>
-                <a:spcPct val="110000"/>
-              </a:lnSpc>
-              <a:spcBef>
-                <a:spcPct val="0"/>
-              </a:spcBef>
-              <a:buClr>
-                <a:schemeClr val="tx1"/>
-              </a:buClr>
-            </a:pPr>
-            <a:r>
-              <a:rPr lang="de-DE" altLang="de-DE" dirty="0"/>
-              <a:t>Bereich oberhalb der natürlichen Ablöse-</a:t>
+              <a:t>-</a:t>
             </a:r>
           </a:p>
           <a:p>
@@ -6516,16 +6540,16 @@
               <a:buNone/>
             </a:pPr>
             <a:r>
+              <a:rPr lang="de-DE" altLang="de-DE" dirty="0"/>
+              <a:t> </a:t>
+            </a:r>
+            <a:r>
               <a:rPr lang="de-DE" altLang="de-DE" dirty="0" smtClean="0"/>
-              <a:t>    Frequenz </a:t>
-            </a:r>
-            <a:r>
-              <a:rPr lang="de-DE" altLang="de-DE" dirty="0"/>
-              <a:t>für gewisse </a:t>
+              <a:t>   </a:t>
             </a:r>
             <a:r>
               <a:rPr lang="de-DE" altLang="de-DE" dirty="0" err="1" smtClean="0"/>
-              <a:t>Ausblaseparameter</a:t>
+              <a:t>mechanismen</a:t>
             </a:r>
             <a:endParaRPr lang="de-DE" altLang="de-DE" dirty="0" smtClean="0"/>
           </a:p>
@@ -6543,7 +6567,11 @@
             </a:pPr>
             <a:r>
               <a:rPr lang="de-DE" altLang="de-DE" dirty="0" smtClean="0"/>
-              <a:t>Abrieb von den </a:t>
+              <a:t>Abrieb an </a:t>
+            </a:r>
+            <a:r>
+              <a:rPr lang="de-DE" altLang="de-DE" dirty="0" smtClean="0"/>
+              <a:t>den </a:t>
             </a:r>
             <a:r>
               <a:rPr lang="de-DE" altLang="de-DE" dirty="0" err="1" smtClean="0"/>
@@ -6893,8 +6921,8 @@
           </a:p>
         </p:txBody>
       </p:sp>
-      <mc:AlternateContent xmlns:mc="http://schemas.openxmlformats.org/markup-compatibility/2006">
-        <mc:Choice xmlns:a14="http://schemas.microsoft.com/office/drawing/2010/main" Requires="a14">
+      <mc:AlternateContent xmlns:mc="http://schemas.openxmlformats.org/markup-compatibility/2006" xmlns:a14="http://schemas.microsoft.com/office/drawing/2010/main">
+        <mc:Choice Requires="a14">
           <p:sp>
             <p:nvSpPr>
               <p:cNvPr id="18" name="Text Box 84"/>
@@ -7091,11 +7119,7 @@
                 </a:pPr>
                 <a:r>
                   <a:rPr lang="de-DE" altLang="de-DE" dirty="0" smtClean="0"/>
-                  <a:t>Festlegung </a:t>
-                </a:r>
-                <a:r>
-                  <a:rPr lang="de-DE" altLang="de-DE" dirty="0" smtClean="0"/>
-                  <a:t>eines Kontrollvolumens</a:t>
+                  <a:t>Festlegung eines Kontrollvolumens</a:t>
                 </a:r>
               </a:p>
               <a:p>
@@ -7712,7 +7736,7 @@
             </p:txBody>
           </p:sp>
         </mc:Choice>
-        <mc:Fallback>
+        <mc:Fallback xmlns="">
           <p:sp>
             <p:nvSpPr>
               <p:cNvPr id="18" name="Text Box 84"/>
@@ -7782,8 +7806,8 @@
         </p:blipFill>
         <p:spPr>
           <a:xfrm>
-            <a:off x="20287809" y="24852941"/>
-            <a:ext cx="6940166" cy="4578407"/>
+            <a:off x="19856042" y="24496794"/>
+            <a:ext cx="7803699" cy="5148077"/>
           </a:xfrm>
           <a:prstGeom prst="rect">
             <a:avLst/>
@@ -8338,8 +8362,13 @@
             </a:pPr>
             <a:r>
               <a:rPr lang="de-DE" altLang="de-DE" dirty="0" smtClean="0"/>
-              <a:t>Phasengleichheit am unteren und oberen Spalt sicherstellen</a:t>
-            </a:r>
+              <a:t>Phasengleichheit </a:t>
+            </a:r>
+            <a:r>
+              <a:rPr lang="de-DE" altLang="de-DE" dirty="0" smtClean="0"/>
+              <a:t>der Walzen sicherstellen</a:t>
+            </a:r>
+            <a:endParaRPr lang="de-DE" altLang="de-DE" dirty="0" smtClean="0"/>
           </a:p>
           <a:p>
             <a:pPr marL="460375" lvl="2" indent="-457200" eaLnBrk="1" hangingPunct="1">
@@ -8355,7 +8384,41 @@
             </a:pPr>
             <a:r>
               <a:rPr lang="de-DE" altLang="de-DE" dirty="0" smtClean="0"/>
-              <a:t>Andere Zahnformen und </a:t>
+              <a:t>Variation Zahnformen</a:t>
+            </a:r>
+          </a:p>
+          <a:p>
+            <a:pPr marL="460375" lvl="2" indent="-457200" eaLnBrk="1" hangingPunct="1">
+              <a:lnSpc>
+                <a:spcPct val="110000"/>
+              </a:lnSpc>
+              <a:spcBef>
+                <a:spcPct val="0"/>
+              </a:spcBef>
+              <a:buClr>
+                <a:schemeClr val="tx1"/>
+              </a:buClr>
+            </a:pPr>
+            <a:r>
+              <a:rPr lang="de-DE" altLang="de-DE" dirty="0" smtClean="0"/>
+              <a:t>Variation der Anzahl der Zähne</a:t>
+            </a:r>
+          </a:p>
+          <a:p>
+            <a:pPr marL="460375" lvl="2" indent="-457200" eaLnBrk="1" hangingPunct="1">
+              <a:lnSpc>
+                <a:spcPct val="110000"/>
+              </a:lnSpc>
+              <a:spcBef>
+                <a:spcPct val="0"/>
+              </a:spcBef>
+              <a:buClr>
+                <a:schemeClr val="tx1"/>
+              </a:buClr>
+            </a:pPr>
+            <a:r>
+              <a:rPr lang="de-DE" altLang="de-DE" dirty="0" smtClean="0"/>
+              <a:t>Variation des </a:t>
             </a:r>
             <a:r>
               <a:rPr lang="de-DE" altLang="de-DE" dirty="0" err="1" smtClean="0"/>
@@ -8366,8 +8429,12 @@
               <a:t> </a:t>
             </a:r>
             <a:r>
-              <a:rPr lang="de-DE" altLang="de-DE" dirty="0" err="1" smtClean="0"/>
+              <a:rPr lang="de-DE" altLang="de-DE" smtClean="0"/>
               <a:t>cycle</a:t>
+            </a:r>
+            <a:r>
+              <a:rPr lang="de-DE" altLang="de-DE" dirty="0"/>
+              <a:t>s</a:t>
             </a:r>
             <a:endParaRPr lang="de-DE" altLang="de-DE" dirty="0" smtClean="0"/>
           </a:p>

--- a/70_Poster/PAPoster.pptx
+++ b/70_Poster/PAPoster.pptx
@@ -6481,11 +6481,7 @@
             </a:pPr>
             <a:r>
               <a:rPr lang="de-DE" altLang="de-DE" dirty="0" smtClean="0"/>
-              <a:t>Wegen </a:t>
-            </a:r>
-            <a:r>
-              <a:rPr lang="de-DE" altLang="de-DE" dirty="0" smtClean="0"/>
-              <a:t>hoher Reibungswiderstände keine </a:t>
+              <a:t>Wegen hoher Reibungswiderstände keine </a:t>
             </a:r>
           </a:p>
           <a:p>
@@ -6507,15 +6503,7 @@
             </a:r>
             <a:r>
               <a:rPr lang="de-DE" altLang="de-DE" dirty="0" smtClean="0"/>
-              <a:t>   </a:t>
-            </a:r>
-            <a:r>
-              <a:rPr lang="de-DE" altLang="de-DE" dirty="0" smtClean="0"/>
-              <a:t>Leistungsgewinne </a:t>
-            </a:r>
-            <a:r>
-              <a:rPr lang="de-DE" altLang="de-DE" dirty="0" smtClean="0"/>
-              <a:t>durch </a:t>
+              <a:t>   Leistungsgewinne durch </a:t>
             </a:r>
             <a:r>
               <a:rPr lang="de-DE" altLang="de-DE" dirty="0" err="1" smtClean="0"/>
@@ -6567,11 +6555,7 @@
             </a:pPr>
             <a:r>
               <a:rPr lang="de-DE" altLang="de-DE" dirty="0" smtClean="0"/>
-              <a:t>Abrieb an </a:t>
-            </a:r>
-            <a:r>
-              <a:rPr lang="de-DE" altLang="de-DE" dirty="0" smtClean="0"/>
-              <a:t>den </a:t>
+              <a:t>Abrieb an den </a:t>
             </a:r>
             <a:r>
               <a:rPr lang="de-DE" altLang="de-DE" dirty="0" err="1" smtClean="0"/>
@@ -8362,13 +8346,8 @@
             </a:pPr>
             <a:r>
               <a:rPr lang="de-DE" altLang="de-DE" dirty="0" smtClean="0"/>
-              <a:t>Phasengleichheit </a:t>
-            </a:r>
-            <a:r>
-              <a:rPr lang="de-DE" altLang="de-DE" dirty="0" smtClean="0"/>
-              <a:t>der Walzen sicherstellen</a:t>
-            </a:r>
-            <a:endParaRPr lang="de-DE" altLang="de-DE" dirty="0" smtClean="0"/>
+              <a:t>Phasengleichheit der Walzen sicherstellen</a:t>
+            </a:r>
           </a:p>
           <a:p>
             <a:pPr marL="460375" lvl="2" indent="-457200" eaLnBrk="1" hangingPunct="1">
